--- a/SAL M’DJAREB.pptx
+++ b/SAL M’DJAREB.pptx
@@ -5,7 +5,7 @@
     <p:sldMasterId id="2147483659" r:id="rId1"/>
   </p:sldMasterIdLst>
   <p:notesMasterIdLst>
-    <p:notesMasterId r:id="rId38"/>
+    <p:notesMasterId r:id="rId47"/>
   </p:notesMasterIdLst>
   <p:sldIdLst>
     <p:sldId id="256" r:id="rId2"/>
@@ -44,28 +44,37 @@
     <p:sldId id="289" r:id="rId35"/>
     <p:sldId id="290" r:id="rId36"/>
     <p:sldId id="291" r:id="rId37"/>
+    <p:sldId id="292" r:id="rId38"/>
+    <p:sldId id="293" r:id="rId39"/>
+    <p:sldId id="294" r:id="rId40"/>
+    <p:sldId id="295" r:id="rId41"/>
+    <p:sldId id="296" r:id="rId42"/>
+    <p:sldId id="297" r:id="rId43"/>
+    <p:sldId id="298" r:id="rId44"/>
+    <p:sldId id="299" r:id="rId45"/>
+    <p:sldId id="300" r:id="rId46"/>
   </p:sldIdLst>
   <p:sldSz cx="9144000" cy="5143500" type="screen16x9"/>
   <p:notesSz cx="6858000" cy="9144000"/>
   <p:embeddedFontLst>
     <p:embeddedFont>
       <p:font typeface="Roboto" panose="020B0604020202020204" charset="0"/>
-      <p:regular r:id="rId39"/>
-      <p:bold r:id="rId40"/>
-      <p:italic r:id="rId41"/>
-      <p:boldItalic r:id="rId42"/>
+      <p:regular r:id="rId48"/>
+      <p:bold r:id="rId49"/>
+      <p:italic r:id="rId50"/>
+      <p:boldItalic r:id="rId51"/>
     </p:embeddedFont>
     <p:embeddedFont>
       <p:font typeface="Oswald" panose="020B0604020202020204" charset="0"/>
-      <p:regular r:id="rId43"/>
-      <p:bold r:id="rId44"/>
+      <p:regular r:id="rId52"/>
+      <p:bold r:id="rId53"/>
     </p:embeddedFont>
     <p:embeddedFont>
       <p:font typeface="Source Code Pro" panose="020B0604020202020204" charset="0"/>
-      <p:regular r:id="rId45"/>
-      <p:bold r:id="rId46"/>
-      <p:italic r:id="rId47"/>
-      <p:boldItalic r:id="rId48"/>
+      <p:regular r:id="rId54"/>
+      <p:bold r:id="rId55"/>
+      <p:italic r:id="rId56"/>
+      <p:boldItalic r:id="rId57"/>
     </p:embeddedFont>
   </p:embeddedFontLst>
   <p:defaultTextStyle>
@@ -297,6 +306,11 @@
       </a:defRPr>
     </a:lvl9pPr>
   </p:defaultTextStyle>
+  <p:extLst>
+    <p:ext uri="{EFAFB233-063F-42B5-8137-9DF3F51BA10A}">
+      <p15:sldGuideLst xmlns:p15="http://schemas.microsoft.com/office/powerpoint/2012/main"/>
+    </p:ext>
+  </p:extLst>
 </p:presentation>
 </file>
 
@@ -3885,6 +3899,115 @@
 </p:notes>
 </file>
 
+<file path=ppt/notesSlides/notesSlide37.xml><?xml version="1.0" encoding="utf-8"?>
+<p:notes xmlns:a="http://schemas.openxmlformats.org/drawingml/2006/main" xmlns:r="http://schemas.openxmlformats.org/officeDocument/2006/relationships" xmlns:p="http://schemas.openxmlformats.org/presentationml/2006/main" showMasterSp="0" showMasterPhAnim="0">
+  <p:cSld>
+    <p:spTree>
+      <p:nvGrpSpPr>
+        <p:cNvPr id="1" name="Shape 288"/>
+        <p:cNvGrpSpPr/>
+        <p:nvPr/>
+      </p:nvGrpSpPr>
+      <p:grpSpPr>
+        <a:xfrm>
+          <a:off x="0" y="0"/>
+          <a:ext cx="0" cy="0"/>
+          <a:chOff x="0" y="0"/>
+          <a:chExt cx="0" cy="0"/>
+        </a:xfrm>
+      </p:grpSpPr>
+      <p:sp>
+        <p:nvSpPr>
+          <p:cNvPr id="289" name="Google Shape;289;g118b52f8b4f_0_79:notes"/>
+          <p:cNvSpPr>
+            <a:spLocks noGrp="1" noRot="1" noChangeAspect="1"/>
+          </p:cNvSpPr>
+          <p:nvPr>
+            <p:ph type="sldImg" idx="2"/>
+          </p:nvPr>
+        </p:nvSpPr>
+        <p:spPr>
+          <a:xfrm>
+            <a:off x="381000" y="685800"/>
+            <a:ext cx="6096000" cy="3429000"/>
+          </a:xfrm>
+          <a:custGeom>
+            <a:avLst/>
+            <a:gdLst/>
+            <a:ahLst/>
+            <a:cxnLst/>
+            <a:rect l="l" t="t" r="r" b="b"/>
+            <a:pathLst>
+              <a:path w="120000" h="120000" extrusionOk="0">
+                <a:moveTo>
+                  <a:pt x="0" y="0"/>
+                </a:moveTo>
+                <a:lnTo>
+                  <a:pt x="120000" y="0"/>
+                </a:lnTo>
+                <a:lnTo>
+                  <a:pt x="120000" y="120000"/>
+                </a:lnTo>
+                <a:lnTo>
+                  <a:pt x="0" y="120000"/>
+                </a:lnTo>
+                <a:close/>
+              </a:path>
+            </a:pathLst>
+          </a:custGeom>
+        </p:spPr>
+      </p:sp>
+      <p:sp>
+        <p:nvSpPr>
+          <p:cNvPr id="290" name="Google Shape;290;g118b52f8b4f_0_79:notes"/>
+          <p:cNvSpPr txBox="1">
+            <a:spLocks noGrp="1"/>
+          </p:cNvSpPr>
+          <p:nvPr>
+            <p:ph type="body" idx="1"/>
+          </p:nvPr>
+        </p:nvSpPr>
+        <p:spPr>
+          <a:xfrm>
+            <a:off x="685800" y="4343400"/>
+            <a:ext cx="5486400" cy="4114800"/>
+          </a:xfrm>
+          <a:prstGeom prst="rect">
+            <a:avLst/>
+          </a:prstGeom>
+        </p:spPr>
+        <p:txBody>
+          <a:bodyPr spcFirstLastPara="1" wrap="square" lIns="91425" tIns="91425" rIns="91425" bIns="91425" anchor="t" anchorCtr="0">
+            <a:noAutofit/>
+          </a:bodyPr>
+          <a:lstStyle/>
+          <a:p>
+            <a:pPr marL="0" lvl="0" indent="0" algn="l" rtl="0">
+              <a:spcBef>
+                <a:spcPts val="0"/>
+              </a:spcBef>
+              <a:spcAft>
+                <a:spcPts val="0"/>
+              </a:spcAft>
+              <a:buNone/>
+            </a:pPr>
+            <a:endParaRPr/>
+          </a:p>
+        </p:txBody>
+      </p:sp>
+    </p:spTree>
+    <p:extLst>
+      <p:ext uri="{BB962C8B-B14F-4D97-AF65-F5344CB8AC3E}">
+        <p14:creationId xmlns:p14="http://schemas.microsoft.com/office/powerpoint/2010/main" val="3043240117"/>
+      </p:ext>
+    </p:extLst>
+  </p:cSld>
+  <p:clrMapOvr>
+    <a:masterClrMapping/>
+  </p:clrMapOvr>
+</p:notes>
+</file>
+
 <file path=ppt/notesSlides/notesSlide4.xml><?xml version="1.0" encoding="utf-8"?>
 <p:notes xmlns:a="http://schemas.openxmlformats.org/drawingml/2006/main" xmlns:r="http://schemas.openxmlformats.org/officeDocument/2006/relationships" xmlns:p="http://schemas.openxmlformats.org/presentationml/2006/main" showMasterSp="0" showMasterPhAnim="0">
   <p:cSld>
@@ -5099,7 +5222,7 @@
             </a:pPr>
             <a:fld id="{00000000-1234-1234-1234-123412341234}" type="slidenum">
               <a:rPr lang="fr"/>
-              <a:t>‹N°›</a:t>
+              <a:t>‹#›</a:t>
             </a:fld>
             <a:endParaRPr/>
           </a:p>
@@ -5489,7 +5612,7 @@
             </a:pPr>
             <a:fld id="{00000000-1234-1234-1234-123412341234}" type="slidenum">
               <a:rPr lang="fr"/>
-              <a:t>‹N°›</a:t>
+              <a:t>‹#›</a:t>
             </a:fld>
             <a:endParaRPr/>
           </a:p>
@@ -5825,7 +5948,7 @@
             </a:pPr>
             <a:fld id="{00000000-1234-1234-1234-123412341234}" type="slidenum">
               <a:rPr lang="fr"/>
-              <a:t>‹N°›</a:t>
+              <a:t>‹#›</a:t>
             </a:fld>
             <a:endParaRPr/>
           </a:p>
@@ -6213,7 +6336,7 @@
             </a:pPr>
             <a:fld id="{00000000-1234-1234-1234-123412341234}" type="slidenum">
               <a:rPr lang="fr"/>
-              <a:t>‹N°›</a:t>
+              <a:t>‹#›</a:t>
             </a:fld>
             <a:endParaRPr/>
           </a:p>
@@ -6730,7 +6853,7 @@
             </a:pPr>
             <a:fld id="{00000000-1234-1234-1234-123412341234}" type="slidenum">
               <a:rPr lang="fr"/>
-              <a:t>‹N°›</a:t>
+              <a:t>‹#›</a:t>
             </a:fld>
             <a:endParaRPr/>
           </a:p>
@@ -6963,7 +7086,7 @@
             </a:pPr>
             <a:fld id="{00000000-1234-1234-1234-123412341234}" type="slidenum">
               <a:rPr lang="fr"/>
-              <a:t>‹N°›</a:t>
+              <a:t>‹#›</a:t>
             </a:fld>
             <a:endParaRPr/>
           </a:p>
@@ -7351,7 +7474,7 @@
             </a:pPr>
             <a:fld id="{00000000-1234-1234-1234-123412341234}" type="slidenum">
               <a:rPr lang="fr"/>
-              <a:t>‹N°›</a:t>
+              <a:t>‹#›</a:t>
             </a:fld>
             <a:endParaRPr/>
           </a:p>
@@ -7691,7 +7814,7 @@
             </a:pPr>
             <a:fld id="{00000000-1234-1234-1234-123412341234}" type="slidenum">
               <a:rPr lang="fr"/>
-              <a:t>‹N°›</a:t>
+              <a:t>‹#›</a:t>
             </a:fld>
             <a:endParaRPr/>
           </a:p>
@@ -8409,7 +8532,7 @@
             </a:pPr>
             <a:fld id="{00000000-1234-1234-1234-123412341234}" type="slidenum">
               <a:rPr lang="fr"/>
-              <a:t>‹N°›</a:t>
+              <a:t>‹#›</a:t>
             </a:fld>
             <a:endParaRPr/>
           </a:p>
@@ -8563,7 +8686,7 @@
             </a:pPr>
             <a:fld id="{00000000-1234-1234-1234-123412341234}" type="slidenum">
               <a:rPr lang="fr"/>
-              <a:t>‹N°›</a:t>
+              <a:t>‹#›</a:t>
             </a:fld>
             <a:endParaRPr/>
           </a:p>
@@ -9260,7 +9383,7 @@
             </a:pPr>
             <a:fld id="{00000000-1234-1234-1234-123412341234}" type="slidenum">
               <a:rPr lang="fr"/>
-              <a:t>‹N°›</a:t>
+              <a:t>‹#›</a:t>
             </a:fld>
             <a:endParaRPr/>
           </a:p>
@@ -13225,10 +13348,10 @@
               <a:buNone/>
             </a:pPr>
             <a:r>
-              <a:rPr lang="fr"/>
+              <a:rPr lang="fr" dirty="0"/>
               <a:t>TABLE OF CONTENT</a:t>
             </a:r>
-            <a:endParaRPr/>
+            <a:endParaRPr dirty="0"/>
           </a:p>
         </p:txBody>
       </p:sp>
@@ -13253,7 +13376,7 @@
         </p:spPr>
         <p:txBody>
           <a:bodyPr spcFirstLastPara="1" wrap="square" lIns="91425" tIns="91425" rIns="91425" bIns="91425" anchor="t" anchorCtr="0">
-            <a:normAutofit fontScale="55000" lnSpcReduction="20000"/>
+            <a:noAutofit/>
           </a:bodyPr>
           <a:lstStyle/>
           <a:p>
@@ -13272,7 +13395,7 @@
               <a:buAutoNum type="arabicPeriod"/>
             </a:pPr>
             <a:r>
-              <a:rPr lang="fr">
+              <a:rPr lang="fr" sz="1050" dirty="0">
                 <a:latin typeface="Roboto"/>
                 <a:ea typeface="Roboto"/>
                 <a:cs typeface="Roboto"/>
@@ -13280,7 +13403,7 @@
               </a:rPr>
               <a:t>STARTUP INFORMATION</a:t>
             </a:r>
-            <a:endParaRPr>
+            <a:endParaRPr sz="1050" dirty="0">
               <a:latin typeface="Roboto"/>
               <a:ea typeface="Roboto"/>
               <a:cs typeface="Roboto"/>
@@ -13303,7 +13426,7 @@
               <a:buAutoNum type="alphaLcPeriod"/>
             </a:pPr>
             <a:r>
-              <a:rPr lang="fr">
+              <a:rPr lang="fr" sz="800" dirty="0">
                 <a:latin typeface="Roboto"/>
                 <a:ea typeface="Roboto"/>
                 <a:cs typeface="Roboto"/>
@@ -13311,7 +13434,7 @@
               </a:rPr>
               <a:t>Business Description</a:t>
             </a:r>
-            <a:endParaRPr>
+            <a:endParaRPr sz="800" dirty="0">
               <a:latin typeface="Roboto"/>
               <a:ea typeface="Roboto"/>
               <a:cs typeface="Roboto"/>
@@ -13334,7 +13457,7 @@
               <a:buAutoNum type="alphaLcPeriod"/>
             </a:pPr>
             <a:r>
-              <a:rPr lang="fr">
+              <a:rPr lang="fr" sz="800" dirty="0">
                 <a:latin typeface="Roboto"/>
                 <a:ea typeface="Roboto"/>
                 <a:cs typeface="Roboto"/>
@@ -13342,7 +13465,7 @@
               </a:rPr>
               <a:t>Vision</a:t>
             </a:r>
-            <a:endParaRPr>
+            <a:endParaRPr sz="800" dirty="0">
               <a:latin typeface="Roboto"/>
               <a:ea typeface="Roboto"/>
               <a:cs typeface="Roboto"/>
@@ -13365,7 +13488,7 @@
               <a:buAutoNum type="alphaLcPeriod"/>
             </a:pPr>
             <a:r>
-              <a:rPr lang="fr">
+              <a:rPr lang="fr" sz="800" dirty="0">
                 <a:latin typeface="Roboto"/>
                 <a:ea typeface="Roboto"/>
                 <a:cs typeface="Roboto"/>
@@ -13373,7 +13496,7 @@
               </a:rPr>
               <a:t>Mission</a:t>
             </a:r>
-            <a:endParaRPr>
+            <a:endParaRPr sz="800" dirty="0">
               <a:latin typeface="Roboto"/>
               <a:ea typeface="Roboto"/>
               <a:cs typeface="Roboto"/>
@@ -13396,7 +13519,7 @@
               <a:buAutoNum type="alphaLcPeriod"/>
             </a:pPr>
             <a:r>
-              <a:rPr lang="fr">
+              <a:rPr lang="fr" sz="800" dirty="0">
                 <a:latin typeface="Roboto"/>
                 <a:ea typeface="Roboto"/>
                 <a:cs typeface="Roboto"/>
@@ -13404,7 +13527,7 @@
               </a:rPr>
               <a:t>Strategic Objectifs</a:t>
             </a:r>
-            <a:endParaRPr>
+            <a:endParaRPr sz="800" dirty="0">
               <a:latin typeface="Roboto"/>
               <a:ea typeface="Roboto"/>
               <a:cs typeface="Roboto"/>
@@ -13427,7 +13550,7 @@
               <a:buAutoNum type="alphaLcPeriod"/>
             </a:pPr>
             <a:r>
-              <a:rPr lang="fr">
+              <a:rPr lang="fr" sz="800" dirty="0">
                 <a:latin typeface="Roboto"/>
                 <a:ea typeface="Roboto"/>
                 <a:cs typeface="Roboto"/>
@@ -13435,7 +13558,7 @@
               </a:rPr>
               <a:t>Benefits</a:t>
             </a:r>
-            <a:endParaRPr>
+            <a:endParaRPr sz="800" dirty="0">
               <a:latin typeface="Roboto"/>
               <a:ea typeface="Roboto"/>
               <a:cs typeface="Roboto"/>
@@ -13458,7 +13581,7 @@
               <a:buAutoNum type="arabicPeriod"/>
             </a:pPr>
             <a:r>
-              <a:rPr lang="fr">
+              <a:rPr lang="fr" sz="1050" dirty="0">
                 <a:latin typeface="Roboto"/>
                 <a:ea typeface="Roboto"/>
                 <a:cs typeface="Roboto"/>
@@ -13466,7 +13589,7 @@
               </a:rPr>
               <a:t>BUSINESS MODEL</a:t>
             </a:r>
-            <a:endParaRPr>
+            <a:endParaRPr sz="1050" dirty="0">
               <a:latin typeface="Roboto"/>
               <a:ea typeface="Roboto"/>
               <a:cs typeface="Roboto"/>
@@ -13489,7 +13612,7 @@
               <a:buAutoNum type="alphaLcPeriod"/>
             </a:pPr>
             <a:r>
-              <a:rPr lang="fr">
+              <a:rPr lang="fr" sz="800" dirty="0">
                 <a:latin typeface="Roboto"/>
                 <a:ea typeface="Roboto"/>
                 <a:cs typeface="Roboto"/>
@@ -13497,7 +13620,7 @@
               </a:rPr>
               <a:t>Business Model Canvas</a:t>
             </a:r>
-            <a:endParaRPr>
+            <a:endParaRPr sz="800" dirty="0">
               <a:latin typeface="Roboto"/>
               <a:ea typeface="Roboto"/>
               <a:cs typeface="Roboto"/>
@@ -13520,7 +13643,7 @@
               <a:buAutoNum type="alphaLcPeriod"/>
             </a:pPr>
             <a:r>
-              <a:rPr lang="fr">
+              <a:rPr lang="fr" sz="800" dirty="0">
                 <a:latin typeface="Roboto"/>
                 <a:ea typeface="Roboto"/>
                 <a:cs typeface="Roboto"/>
@@ -13528,7 +13651,7 @@
               </a:rPr>
               <a:t>Category of business</a:t>
             </a:r>
-            <a:endParaRPr>
+            <a:endParaRPr sz="800" dirty="0">
               <a:latin typeface="Roboto"/>
               <a:ea typeface="Roboto"/>
               <a:cs typeface="Roboto"/>
@@ -13551,7 +13674,7 @@
               <a:buAutoNum type="alphaLcPeriod"/>
             </a:pPr>
             <a:r>
-              <a:rPr lang="fr">
+              <a:rPr lang="fr" sz="800" dirty="0">
                 <a:latin typeface="Roboto"/>
                 <a:ea typeface="Roboto"/>
                 <a:cs typeface="Roboto"/>
@@ -13559,7 +13682,7 @@
               </a:rPr>
               <a:t>Business process illustration</a:t>
             </a:r>
-            <a:endParaRPr>
+            <a:endParaRPr sz="800" dirty="0">
               <a:latin typeface="Roboto"/>
               <a:ea typeface="Roboto"/>
               <a:cs typeface="Roboto"/>
@@ -13582,7 +13705,7 @@
               <a:buAutoNum type="arabicPeriod"/>
             </a:pPr>
             <a:r>
-              <a:rPr lang="fr">
+              <a:rPr lang="fr" sz="1050" dirty="0">
                 <a:latin typeface="Roboto"/>
                 <a:ea typeface="Roboto"/>
                 <a:cs typeface="Roboto"/>
@@ -13590,7 +13713,7 @@
               </a:rPr>
               <a:t>MARKETING STRATEGY</a:t>
             </a:r>
-            <a:endParaRPr>
+            <a:endParaRPr sz="1050" dirty="0">
               <a:latin typeface="Roboto"/>
               <a:ea typeface="Roboto"/>
               <a:cs typeface="Roboto"/>
@@ -13613,7 +13736,7 @@
               <a:buAutoNum type="alphaLcPeriod"/>
             </a:pPr>
             <a:r>
-              <a:rPr lang="fr">
+              <a:rPr lang="fr" sz="800" dirty="0">
                 <a:latin typeface="Roboto"/>
                 <a:ea typeface="Roboto"/>
                 <a:cs typeface="Roboto"/>
@@ -13621,7 +13744,7 @@
               </a:rPr>
               <a:t>Market Analysis</a:t>
             </a:r>
-            <a:endParaRPr>
+            <a:endParaRPr sz="800" dirty="0">
               <a:latin typeface="Roboto"/>
               <a:ea typeface="Roboto"/>
               <a:cs typeface="Roboto"/>
@@ -13644,7 +13767,7 @@
               <a:buAutoNum type="alphaLcPeriod"/>
             </a:pPr>
             <a:r>
-              <a:rPr lang="fr">
+              <a:rPr lang="fr" sz="800" dirty="0">
                 <a:latin typeface="Roboto"/>
                 <a:ea typeface="Roboto"/>
                 <a:cs typeface="Roboto"/>
@@ -13652,7 +13775,7 @@
               </a:rPr>
               <a:t>Our services</a:t>
             </a:r>
-            <a:endParaRPr>
+            <a:endParaRPr sz="800" dirty="0">
               <a:latin typeface="Roboto"/>
               <a:ea typeface="Roboto"/>
               <a:cs typeface="Roboto"/>
@@ -13675,7 +13798,7 @@
               <a:buAutoNum type="alphaLcPeriod"/>
             </a:pPr>
             <a:r>
-              <a:rPr lang="fr">
+              <a:rPr lang="fr" sz="800" dirty="0">
                 <a:latin typeface="Roboto"/>
                 <a:ea typeface="Roboto"/>
                 <a:cs typeface="Roboto"/>
@@ -13683,7 +13806,7 @@
               </a:rPr>
               <a:t>Marketing and promotional strategy</a:t>
             </a:r>
-            <a:endParaRPr>
+            <a:endParaRPr sz="800" dirty="0">
               <a:latin typeface="Roboto"/>
               <a:ea typeface="Roboto"/>
               <a:cs typeface="Roboto"/>
@@ -13706,7 +13829,7 @@
               <a:buAutoNum type="alphaLcPeriod"/>
             </a:pPr>
             <a:r>
-              <a:rPr lang="fr">
+              <a:rPr lang="fr" sz="800" dirty="0">
                 <a:latin typeface="Roboto"/>
                 <a:ea typeface="Roboto"/>
                 <a:cs typeface="Roboto"/>
@@ -13714,7 +13837,7 @@
               </a:rPr>
               <a:t>Pricing Strategy</a:t>
             </a:r>
-            <a:endParaRPr>
+            <a:endParaRPr sz="800" dirty="0">
               <a:latin typeface="Roboto"/>
               <a:ea typeface="Roboto"/>
               <a:cs typeface="Roboto"/>
@@ -13737,7 +13860,7 @@
               <a:buAutoNum type="alphaLcPeriod"/>
             </a:pPr>
             <a:r>
-              <a:rPr lang="fr">
+              <a:rPr lang="fr" sz="800" dirty="0">
                 <a:latin typeface="Roboto"/>
                 <a:ea typeface="Roboto"/>
                 <a:cs typeface="Roboto"/>
@@ -13745,7 +13868,7 @@
               </a:rPr>
               <a:t>Sales Strategy</a:t>
             </a:r>
-            <a:endParaRPr>
+            <a:endParaRPr sz="800" dirty="0">
               <a:latin typeface="Roboto"/>
               <a:ea typeface="Roboto"/>
               <a:cs typeface="Roboto"/>
@@ -13765,12 +13888,94 @@
               </a:spcAft>
               <a:buNone/>
             </a:pPr>
-            <a:endParaRPr>
+            <a:endParaRPr sz="1050" dirty="0">
               <a:latin typeface="Roboto"/>
               <a:ea typeface="Roboto"/>
               <a:cs typeface="Roboto"/>
               <a:sym typeface="Roboto"/>
             </a:endParaRPr>
+          </a:p>
+        </p:txBody>
+      </p:sp>
+      <p:sp>
+        <p:nvSpPr>
+          <p:cNvPr id="4" name="Rectangle 3"/>
+          <p:cNvSpPr/>
+          <p:nvPr/>
+        </p:nvSpPr>
+        <p:spPr>
+          <a:xfrm>
+            <a:off x="5027108" y="1727617"/>
+            <a:ext cx="3300904" cy="369332"/>
+          </a:xfrm>
+          <a:prstGeom prst="rect">
+            <a:avLst/>
+          </a:prstGeom>
+        </p:spPr>
+        <p:style>
+          <a:lnRef idx="2">
+            <a:schemeClr val="accent6">
+              <a:shade val="50000"/>
+            </a:schemeClr>
+          </a:lnRef>
+          <a:fillRef idx="1">
+            <a:schemeClr val="accent6"/>
+          </a:fillRef>
+          <a:effectRef idx="0">
+            <a:schemeClr val="accent6"/>
+          </a:effectRef>
+          <a:fontRef idx="minor">
+            <a:schemeClr val="lt1"/>
+          </a:fontRef>
+        </p:style>
+        <p:txBody>
+          <a:bodyPr wrap="none">
+            <a:spAutoFit/>
+          </a:bodyPr>
+          <a:lstStyle/>
+          <a:p>
+            <a:r>
+              <a:rPr lang="en-US" sz="1800" b="1" dirty="0"/>
+              <a:t>https://sal-mdjareb.web.app/</a:t>
+            </a:r>
+          </a:p>
+        </p:txBody>
+      </p:sp>
+      <p:sp>
+        <p:nvSpPr>
+          <p:cNvPr id="5" name="TextBox 4"/>
+          <p:cNvSpPr txBox="1"/>
+          <p:nvPr/>
+        </p:nvSpPr>
+        <p:spPr>
+          <a:xfrm>
+            <a:off x="5612524" y="1106000"/>
+            <a:ext cx="1890097" cy="523220"/>
+          </a:xfrm>
+          <a:prstGeom prst="rect">
+            <a:avLst/>
+          </a:prstGeom>
+          <a:noFill/>
+        </p:spPr>
+        <p:txBody>
+          <a:bodyPr wrap="square" rtlCol="0">
+            <a:spAutoFit/>
+          </a:bodyPr>
+          <a:lstStyle/>
+          <a:p>
+            <a:pPr algn="ctr"/>
+            <a:r>
+              <a:rPr lang="en-US" dirty="0" smtClean="0"/>
+              <a:t>Go to</a:t>
+            </a:r>
+          </a:p>
+          <a:p>
+            <a:pPr algn="ctr"/>
+            <a:r>
+              <a:rPr lang="en-US" dirty="0" smtClean="0"/>
+              <a:t> Prototype website</a:t>
+            </a:r>
+            <a:endParaRPr lang="en-US" dirty="0"/>
           </a:p>
         </p:txBody>
       </p:sp>
@@ -18419,6 +18624,251 @@
 </p:sld>
 </file>
 
+<file path=ppt/slides/slide37.xml><?xml version="1.0" encoding="utf-8"?>
+<p:sld xmlns:a="http://schemas.openxmlformats.org/drawingml/2006/main" xmlns:r="http://schemas.openxmlformats.org/officeDocument/2006/relationships" xmlns:p="http://schemas.openxmlformats.org/presentationml/2006/main">
+  <p:cSld>
+    <p:spTree>
+      <p:nvGrpSpPr>
+        <p:cNvPr id="1" name="Shape 291"/>
+        <p:cNvGrpSpPr/>
+        <p:nvPr/>
+      </p:nvGrpSpPr>
+      <p:grpSpPr>
+        <a:xfrm>
+          <a:off x="0" y="0"/>
+          <a:ext cx="0" cy="0"/>
+          <a:chOff x="0" y="0"/>
+          <a:chExt cx="0" cy="0"/>
+        </a:xfrm>
+      </p:grpSpPr>
+      <p:sp>
+        <p:nvSpPr>
+          <p:cNvPr id="292" name="Google Shape;292;p47"/>
+          <p:cNvSpPr txBox="1">
+            <a:spLocks noGrp="1"/>
+          </p:cNvSpPr>
+          <p:nvPr>
+            <p:ph type="title"/>
+          </p:nvPr>
+        </p:nvSpPr>
+        <p:spPr>
+          <a:xfrm>
+            <a:off x="430800" y="1889700"/>
+            <a:ext cx="8282400" cy="1516500"/>
+          </a:xfrm>
+          <a:prstGeom prst="rect">
+            <a:avLst/>
+          </a:prstGeom>
+        </p:spPr>
+        <p:txBody>
+          <a:bodyPr spcFirstLastPara="1" wrap="square" lIns="91425" tIns="91425" rIns="91425" bIns="91425" anchor="ctr" anchorCtr="0">
+            <a:normAutofit/>
+          </a:bodyPr>
+          <a:lstStyle/>
+          <a:p>
+            <a:pPr marL="0" lvl="0" indent="0" algn="ctr" rtl="0">
+              <a:spcBef>
+                <a:spcPts val="0"/>
+              </a:spcBef>
+              <a:spcAft>
+                <a:spcPts val="0"/>
+              </a:spcAft>
+              <a:buNone/>
+            </a:pPr>
+            <a:r>
+              <a:rPr lang="fr" dirty="0" smtClean="0"/>
+              <a:t>PROTOTYPE SNAPSHOTS</a:t>
+            </a:r>
+            <a:br>
+              <a:rPr lang="fr" dirty="0" smtClean="0"/>
+            </a:br>
+            <a:r>
+              <a:rPr lang="fr" sz="2000" dirty="0" smtClean="0"/>
+              <a:t>(PC Version)</a:t>
+            </a:r>
+            <a:endParaRPr sz="2000" baseline="-25000" dirty="0"/>
+          </a:p>
+        </p:txBody>
+      </p:sp>
+    </p:spTree>
+    <p:extLst>
+      <p:ext uri="{BB962C8B-B14F-4D97-AF65-F5344CB8AC3E}">
+        <p14:creationId xmlns:p14="http://schemas.microsoft.com/office/powerpoint/2010/main" val="3447399333"/>
+      </p:ext>
+    </p:extLst>
+  </p:cSld>
+  <p:clrMapOvr>
+    <a:masterClrMapping/>
+  </p:clrMapOvr>
+</p:sld>
+</file>
+
+<file path=ppt/slides/slide38.xml><?xml version="1.0" encoding="utf-8"?>
+<p:sld xmlns:a="http://schemas.openxmlformats.org/drawingml/2006/main" xmlns:r="http://schemas.openxmlformats.org/officeDocument/2006/relationships" xmlns:p="http://schemas.openxmlformats.org/presentationml/2006/main">
+  <p:cSld>
+    <p:spTree>
+      <p:nvGrpSpPr>
+        <p:cNvPr id="1" name=""/>
+        <p:cNvGrpSpPr/>
+        <p:nvPr/>
+      </p:nvGrpSpPr>
+      <p:grpSpPr>
+        <a:xfrm>
+          <a:off x="0" y="0"/>
+          <a:ext cx="0" cy="0"/>
+          <a:chOff x="0" y="0"/>
+          <a:chExt cx="0" cy="0"/>
+        </a:xfrm>
+      </p:grpSpPr>
+      <p:sp>
+        <p:nvSpPr>
+          <p:cNvPr id="3" name="Text Placeholder 2"/>
+          <p:cNvSpPr>
+            <a:spLocks noGrp="1"/>
+          </p:cNvSpPr>
+          <p:nvPr>
+            <p:ph type="body" idx="1"/>
+          </p:nvPr>
+        </p:nvSpPr>
+        <p:spPr/>
+        <p:txBody>
+          <a:bodyPr/>
+          <a:lstStyle/>
+          <a:p>
+            <a:r>
+              <a:rPr lang="en-US" dirty="0" smtClean="0"/>
+              <a:t>Home Page</a:t>
+            </a:r>
+            <a:endParaRPr lang="en-US" dirty="0"/>
+          </a:p>
+        </p:txBody>
+      </p:sp>
+      <p:pic>
+        <p:nvPicPr>
+          <p:cNvPr id="5" name="Picture 4" descr="Screen Clipping"/>
+          <p:cNvPicPr>
+            <a:picLocks noChangeAspect="1"/>
+          </p:cNvPicPr>
+          <p:nvPr/>
+        </p:nvPicPr>
+        <p:blipFill>
+          <a:blip r:embed="rId2">
+            <a:extLst>
+              <a:ext uri="{28A0092B-C50C-407E-A947-70E740481C1C}">
+                <a14:useLocalDpi xmlns:a14="http://schemas.microsoft.com/office/drawing/2010/main" val="0"/>
+              </a:ext>
+            </a:extLst>
+          </a:blip>
+          <a:stretch>
+            <a:fillRect/>
+          </a:stretch>
+        </p:blipFill>
+        <p:spPr>
+          <a:xfrm>
+            <a:off x="0" y="0"/>
+            <a:ext cx="9144000" cy="4071465"/>
+          </a:xfrm>
+          <a:prstGeom prst="rect">
+            <a:avLst/>
+          </a:prstGeom>
+        </p:spPr>
+      </p:pic>
+    </p:spTree>
+    <p:extLst>
+      <p:ext uri="{BB962C8B-B14F-4D97-AF65-F5344CB8AC3E}">
+        <p14:creationId xmlns:p14="http://schemas.microsoft.com/office/powerpoint/2010/main" val="810169922"/>
+      </p:ext>
+    </p:extLst>
+  </p:cSld>
+  <p:clrMapOvr>
+    <a:masterClrMapping/>
+  </p:clrMapOvr>
+</p:sld>
+</file>
+
+<file path=ppt/slides/slide39.xml><?xml version="1.0" encoding="utf-8"?>
+<p:sld xmlns:a="http://schemas.openxmlformats.org/drawingml/2006/main" xmlns:r="http://schemas.openxmlformats.org/officeDocument/2006/relationships" xmlns:p="http://schemas.openxmlformats.org/presentationml/2006/main">
+  <p:cSld>
+    <p:spTree>
+      <p:nvGrpSpPr>
+        <p:cNvPr id="1" name=""/>
+        <p:cNvGrpSpPr/>
+        <p:nvPr/>
+      </p:nvGrpSpPr>
+      <p:grpSpPr>
+        <a:xfrm>
+          <a:off x="0" y="0"/>
+          <a:ext cx="0" cy="0"/>
+          <a:chOff x="0" y="0"/>
+          <a:chExt cx="0" cy="0"/>
+        </a:xfrm>
+      </p:grpSpPr>
+      <p:sp>
+        <p:nvSpPr>
+          <p:cNvPr id="2" name="Text Placeholder 1"/>
+          <p:cNvSpPr>
+            <a:spLocks noGrp="1"/>
+          </p:cNvSpPr>
+          <p:nvPr>
+            <p:ph type="body" idx="1"/>
+          </p:nvPr>
+        </p:nvSpPr>
+        <p:spPr/>
+        <p:txBody>
+          <a:bodyPr/>
+          <a:lstStyle/>
+          <a:p>
+            <a:r>
+              <a:rPr lang="en-US" dirty="0" smtClean="0"/>
+              <a:t>BUSINESS CATEGORIES</a:t>
+            </a:r>
+            <a:endParaRPr lang="en-US" dirty="0"/>
+          </a:p>
+        </p:txBody>
+      </p:sp>
+      <p:pic>
+        <p:nvPicPr>
+          <p:cNvPr id="4" name="Picture 3" descr="Screen Clipping"/>
+          <p:cNvPicPr>
+            <a:picLocks noChangeAspect="1"/>
+          </p:cNvPicPr>
+          <p:nvPr/>
+        </p:nvPicPr>
+        <p:blipFill>
+          <a:blip r:embed="rId2">
+            <a:extLst>
+              <a:ext uri="{28A0092B-C50C-407E-A947-70E740481C1C}">
+                <a14:useLocalDpi xmlns:a14="http://schemas.microsoft.com/office/drawing/2010/main" val="0"/>
+              </a:ext>
+            </a:extLst>
+          </a:blip>
+          <a:stretch>
+            <a:fillRect/>
+          </a:stretch>
+        </p:blipFill>
+        <p:spPr>
+          <a:xfrm>
+            <a:off x="0" y="0"/>
+            <a:ext cx="9144000" cy="3911111"/>
+          </a:xfrm>
+          <a:prstGeom prst="rect">
+            <a:avLst/>
+          </a:prstGeom>
+        </p:spPr>
+      </p:pic>
+    </p:spTree>
+    <p:extLst>
+      <p:ext uri="{BB962C8B-B14F-4D97-AF65-F5344CB8AC3E}">
+        <p14:creationId xmlns:p14="http://schemas.microsoft.com/office/powerpoint/2010/main" val="35684316"/>
+      </p:ext>
+    </p:extLst>
+  </p:cSld>
+  <p:clrMapOvr>
+    <a:masterClrMapping/>
+  </p:clrMapOvr>
+</p:sld>
+</file>
+
 <file path=ppt/slides/slide4.xml><?xml version="1.0" encoding="utf-8"?>
 <p:sld xmlns:a="http://schemas.openxmlformats.org/drawingml/2006/main" xmlns:r="http://schemas.openxmlformats.org/officeDocument/2006/relationships" xmlns:p="http://schemas.openxmlformats.org/presentationml/2006/main">
   <p:cSld>
@@ -18516,10 +18966,10 @@
               <a:buNone/>
             </a:pPr>
             <a:r>
-              <a:rPr lang="fr" sz="1325"/>
+              <a:rPr lang="fr" sz="1325" dirty="0"/>
               <a:t>SAL MDJAREB is an Algerian social network platform based on a crowdsourcing system that enables users to share their experiences and exchange their opinions about any local business's product or service.</a:t>
             </a:r>
-            <a:endParaRPr sz="1325"/>
+            <a:endParaRPr sz="1325" dirty="0"/>
           </a:p>
           <a:p>
             <a:pPr marL="457200" lvl="0" indent="0" algn="l" rtl="0">
@@ -18535,10 +18985,10 @@
               <a:buNone/>
             </a:pPr>
             <a:r>
-              <a:rPr lang="fr" sz="1325"/>
+              <a:rPr lang="fr" sz="1325" dirty="0"/>
               <a:t>This online platform is  destined for both large public users and local businesses.</a:t>
             </a:r>
-            <a:endParaRPr sz="1325"/>
+            <a:endParaRPr sz="1325" dirty="0"/>
           </a:p>
           <a:p>
             <a:pPr marL="457200" lvl="0" indent="0" algn="l" rtl="0">
@@ -18554,14 +19004,14 @@
               <a:buNone/>
             </a:pPr>
             <a:r>
-              <a:rPr lang="fr" sz="1325">
+              <a:rPr lang="fr" sz="1325" dirty="0">
                 <a:solidFill>
                   <a:srgbClr val="000000"/>
                 </a:solidFill>
               </a:rPr>
               <a:t>Users can access any local business’s profile and read and write reviews on any product or service they are interested in .Users can also  evaluate any product and service  according to a set of predefined criteria related to the product or service. </a:t>
             </a:r>
-            <a:endParaRPr sz="1325">
+            <a:endParaRPr sz="1325" dirty="0">
               <a:solidFill>
                 <a:srgbClr val="000000"/>
               </a:solidFill>
@@ -18586,10 +19036,10 @@
               <a:buNone/>
             </a:pPr>
             <a:r>
-              <a:rPr lang="fr" sz="1325"/>
+              <a:rPr lang="fr" sz="1325" dirty="0"/>
               <a:t>customers reviews will provide p an objective point of view on whether the organization supplied a product according to  the specifications and expectations. Customer feedback provides an early warning about potential quality problems, effectively identifies risks or opportunities, generates the inputs for improvement, and initiates the necessary corrective actions.</a:t>
             </a:r>
-            <a:endParaRPr sz="1325">
+            <a:endParaRPr sz="1325" dirty="0">
               <a:solidFill>
                 <a:srgbClr val="000000"/>
               </a:solidFill>
@@ -18609,7 +19059,7 @@
               <a:buSzPts val="688"/>
               <a:buNone/>
             </a:pPr>
-            <a:endParaRPr sz="1325"/>
+            <a:endParaRPr sz="1325" dirty="0"/>
           </a:p>
           <a:p>
             <a:pPr marL="457200" lvl="0" indent="0" algn="l" rtl="0">
@@ -18625,7 +19075,7 @@
               <a:buSzPts val="688"/>
               <a:buNone/>
             </a:pPr>
-            <a:endParaRPr sz="1325"/>
+            <a:endParaRPr sz="1325" dirty="0"/>
           </a:p>
         </p:txBody>
       </p:sp>
@@ -18658,6 +19108,587 @@
         </p:spPr>
       </p:pic>
     </p:spTree>
+  </p:cSld>
+  <p:clrMapOvr>
+    <a:masterClrMapping/>
+  </p:clrMapOvr>
+</p:sld>
+</file>
+
+<file path=ppt/slides/slide40.xml><?xml version="1.0" encoding="utf-8"?>
+<p:sld xmlns:a="http://schemas.openxmlformats.org/drawingml/2006/main" xmlns:r="http://schemas.openxmlformats.org/officeDocument/2006/relationships" xmlns:p="http://schemas.openxmlformats.org/presentationml/2006/main">
+  <p:cSld>
+    <p:spTree>
+      <p:nvGrpSpPr>
+        <p:cNvPr id="1" name=""/>
+        <p:cNvGrpSpPr/>
+        <p:nvPr/>
+      </p:nvGrpSpPr>
+      <p:grpSpPr>
+        <a:xfrm>
+          <a:off x="0" y="0"/>
+          <a:ext cx="0" cy="0"/>
+          <a:chOff x="0" y="0"/>
+          <a:chExt cx="0" cy="0"/>
+        </a:xfrm>
+      </p:grpSpPr>
+      <p:sp>
+        <p:nvSpPr>
+          <p:cNvPr id="2" name="Text Placeholder 1"/>
+          <p:cNvSpPr>
+            <a:spLocks noGrp="1"/>
+          </p:cNvSpPr>
+          <p:nvPr>
+            <p:ph type="body" idx="1"/>
+          </p:nvPr>
+        </p:nvSpPr>
+        <p:spPr/>
+        <p:txBody>
+          <a:bodyPr/>
+          <a:lstStyle/>
+          <a:p>
+            <a:r>
+              <a:rPr lang="en-US" dirty="0" err="1" smtClean="0"/>
+              <a:t>Demo:Appliances</a:t>
+            </a:r>
+            <a:r>
+              <a:rPr lang="en-US" dirty="0" smtClean="0"/>
+              <a:t> &amp; Electronics </a:t>
+            </a:r>
+            <a:endParaRPr lang="en-US" dirty="0"/>
+          </a:p>
+        </p:txBody>
+      </p:sp>
+      <p:pic>
+        <p:nvPicPr>
+          <p:cNvPr id="3" name="Picture 2" descr="Screen Clipping"/>
+          <p:cNvPicPr>
+            <a:picLocks noChangeAspect="1"/>
+          </p:cNvPicPr>
+          <p:nvPr/>
+        </p:nvPicPr>
+        <p:blipFill>
+          <a:blip r:embed="rId2">
+            <a:extLst>
+              <a:ext uri="{28A0092B-C50C-407E-A947-70E740481C1C}">
+                <a14:useLocalDpi xmlns:a14="http://schemas.microsoft.com/office/drawing/2010/main" val="0"/>
+              </a:ext>
+            </a:extLst>
+          </a:blip>
+          <a:stretch>
+            <a:fillRect/>
+          </a:stretch>
+        </p:blipFill>
+        <p:spPr>
+          <a:xfrm>
+            <a:off x="0" y="0"/>
+            <a:ext cx="9144000" cy="4163177"/>
+          </a:xfrm>
+          <a:prstGeom prst="rect">
+            <a:avLst/>
+          </a:prstGeom>
+        </p:spPr>
+      </p:pic>
+    </p:spTree>
+    <p:extLst>
+      <p:ext uri="{BB962C8B-B14F-4D97-AF65-F5344CB8AC3E}">
+        <p14:creationId xmlns:p14="http://schemas.microsoft.com/office/powerpoint/2010/main" val="1200446751"/>
+      </p:ext>
+    </p:extLst>
+  </p:cSld>
+  <p:clrMapOvr>
+    <a:masterClrMapping/>
+  </p:clrMapOvr>
+</p:sld>
+</file>
+
+<file path=ppt/slides/slide41.xml><?xml version="1.0" encoding="utf-8"?>
+<p:sld xmlns:a="http://schemas.openxmlformats.org/drawingml/2006/main" xmlns:r="http://schemas.openxmlformats.org/officeDocument/2006/relationships" xmlns:p="http://schemas.openxmlformats.org/presentationml/2006/main">
+  <p:cSld>
+    <p:spTree>
+      <p:nvGrpSpPr>
+        <p:cNvPr id="1" name=""/>
+        <p:cNvGrpSpPr/>
+        <p:nvPr/>
+      </p:nvGrpSpPr>
+      <p:grpSpPr>
+        <a:xfrm>
+          <a:off x="0" y="0"/>
+          <a:ext cx="0" cy="0"/>
+          <a:chOff x="0" y="0"/>
+          <a:chExt cx="0" cy="0"/>
+        </a:xfrm>
+      </p:grpSpPr>
+      <p:sp>
+        <p:nvSpPr>
+          <p:cNvPr id="2" name="Text Placeholder 1"/>
+          <p:cNvSpPr>
+            <a:spLocks noGrp="1"/>
+          </p:cNvSpPr>
+          <p:nvPr>
+            <p:ph type="body" idx="1"/>
+          </p:nvPr>
+        </p:nvSpPr>
+        <p:spPr/>
+        <p:txBody>
+          <a:bodyPr/>
+          <a:lstStyle/>
+          <a:p>
+            <a:r>
+              <a:rPr lang="en-US" dirty="0" err="1" smtClean="0"/>
+              <a:t>Demo:Business</a:t>
+            </a:r>
+            <a:r>
+              <a:rPr lang="en-US" dirty="0" smtClean="0"/>
+              <a:t> Profile Page </a:t>
+            </a:r>
+            <a:endParaRPr lang="en-US" dirty="0"/>
+          </a:p>
+        </p:txBody>
+      </p:sp>
+      <p:pic>
+        <p:nvPicPr>
+          <p:cNvPr id="3" name="Picture 2" descr="Screen Clipping"/>
+          <p:cNvPicPr>
+            <a:picLocks noChangeAspect="1"/>
+          </p:cNvPicPr>
+          <p:nvPr/>
+        </p:nvPicPr>
+        <p:blipFill>
+          <a:blip r:embed="rId2">
+            <a:extLst>
+              <a:ext uri="{28A0092B-C50C-407E-A947-70E740481C1C}">
+                <a14:useLocalDpi xmlns:a14="http://schemas.microsoft.com/office/drawing/2010/main" val="0"/>
+              </a:ext>
+            </a:extLst>
+          </a:blip>
+          <a:stretch>
+            <a:fillRect/>
+          </a:stretch>
+        </p:blipFill>
+        <p:spPr>
+          <a:xfrm>
+            <a:off x="0" y="82355"/>
+            <a:ext cx="9144000" cy="4148220"/>
+          </a:xfrm>
+          <a:prstGeom prst="rect">
+            <a:avLst/>
+          </a:prstGeom>
+        </p:spPr>
+      </p:pic>
+    </p:spTree>
+    <p:extLst>
+      <p:ext uri="{BB962C8B-B14F-4D97-AF65-F5344CB8AC3E}">
+        <p14:creationId xmlns:p14="http://schemas.microsoft.com/office/powerpoint/2010/main" val="936962733"/>
+      </p:ext>
+    </p:extLst>
+  </p:cSld>
+  <p:clrMapOvr>
+    <a:masterClrMapping/>
+  </p:clrMapOvr>
+</p:sld>
+</file>
+
+<file path=ppt/slides/slide42.xml><?xml version="1.0" encoding="utf-8"?>
+<p:sld xmlns:a="http://schemas.openxmlformats.org/drawingml/2006/main" xmlns:r="http://schemas.openxmlformats.org/officeDocument/2006/relationships" xmlns:p="http://schemas.openxmlformats.org/presentationml/2006/main">
+  <p:cSld>
+    <p:spTree>
+      <p:nvGrpSpPr>
+        <p:cNvPr id="1" name=""/>
+        <p:cNvGrpSpPr/>
+        <p:nvPr/>
+      </p:nvGrpSpPr>
+      <p:grpSpPr>
+        <a:xfrm>
+          <a:off x="0" y="0"/>
+          <a:ext cx="0" cy="0"/>
+          <a:chOff x="0" y="0"/>
+          <a:chExt cx="0" cy="0"/>
+        </a:xfrm>
+      </p:grpSpPr>
+      <p:sp>
+        <p:nvSpPr>
+          <p:cNvPr id="2" name="Text Placeholder 1"/>
+          <p:cNvSpPr>
+            <a:spLocks noGrp="1"/>
+          </p:cNvSpPr>
+          <p:nvPr>
+            <p:ph type="body" idx="1"/>
+          </p:nvPr>
+        </p:nvSpPr>
+        <p:spPr/>
+        <p:txBody>
+          <a:bodyPr>
+            <a:normAutofit fontScale="77500" lnSpcReduction="20000"/>
+          </a:bodyPr>
+          <a:lstStyle/>
+          <a:p>
+            <a:r>
+              <a:rPr lang="en-US" dirty="0" smtClean="0"/>
+              <a:t>Business Analytics Dashboard </a:t>
+            </a:r>
+            <a:r>
+              <a:rPr lang="en-US" dirty="0" err="1" smtClean="0"/>
+              <a:t>Businesse</a:t>
+            </a:r>
+            <a:r>
+              <a:rPr lang="en-US" dirty="0" smtClean="0">
+                <a:sym typeface="Wingdings" panose="05000000000000000000" pitchFamily="2" charset="2"/>
+              </a:rPr>
+              <a:t> Scroll to “Track your Business Metrics</a:t>
+            </a:r>
+            <a:r>
+              <a:rPr lang="en-US" dirty="0">
+                <a:sym typeface="Wingdings" panose="05000000000000000000" pitchFamily="2" charset="2"/>
+              </a:rPr>
+              <a:t>-Click “see the key Metrics”</a:t>
+            </a:r>
+            <a:endParaRPr lang="en-US" dirty="0"/>
+          </a:p>
+          <a:p>
+            <a:endParaRPr lang="en-US" dirty="0"/>
+          </a:p>
+        </p:txBody>
+      </p:sp>
+      <p:pic>
+        <p:nvPicPr>
+          <p:cNvPr id="3" name="Picture 2" descr="Screen Clipping"/>
+          <p:cNvPicPr>
+            <a:picLocks noChangeAspect="1"/>
+          </p:cNvPicPr>
+          <p:nvPr/>
+        </p:nvPicPr>
+        <p:blipFill>
+          <a:blip r:embed="rId2">
+            <a:extLst>
+              <a:ext uri="{28A0092B-C50C-407E-A947-70E740481C1C}">
+                <a14:useLocalDpi xmlns:a14="http://schemas.microsoft.com/office/drawing/2010/main" val="0"/>
+              </a:ext>
+            </a:extLst>
+          </a:blip>
+          <a:stretch>
+            <a:fillRect/>
+          </a:stretch>
+        </p:blipFill>
+        <p:spPr>
+          <a:xfrm>
+            <a:off x="0" y="0"/>
+            <a:ext cx="9144000" cy="4148980"/>
+          </a:xfrm>
+          <a:prstGeom prst="rect">
+            <a:avLst/>
+          </a:prstGeom>
+        </p:spPr>
+      </p:pic>
+    </p:spTree>
+    <p:extLst>
+      <p:ext uri="{BB962C8B-B14F-4D97-AF65-F5344CB8AC3E}">
+        <p14:creationId xmlns:p14="http://schemas.microsoft.com/office/powerpoint/2010/main" val="2308489964"/>
+      </p:ext>
+    </p:extLst>
+  </p:cSld>
+  <p:clrMapOvr>
+    <a:masterClrMapping/>
+  </p:clrMapOvr>
+</p:sld>
+</file>
+
+<file path=ppt/slides/slide43.xml><?xml version="1.0" encoding="utf-8"?>
+<p:sld xmlns:a="http://schemas.openxmlformats.org/drawingml/2006/main" xmlns:r="http://schemas.openxmlformats.org/officeDocument/2006/relationships" xmlns:p="http://schemas.openxmlformats.org/presentationml/2006/main">
+  <p:cSld>
+    <p:spTree>
+      <p:nvGrpSpPr>
+        <p:cNvPr id="1" name=""/>
+        <p:cNvGrpSpPr/>
+        <p:nvPr/>
+      </p:nvGrpSpPr>
+      <p:grpSpPr>
+        <a:xfrm>
+          <a:off x="0" y="0"/>
+          <a:ext cx="0" cy="0"/>
+          <a:chOff x="0" y="0"/>
+          <a:chExt cx="0" cy="0"/>
+        </a:xfrm>
+      </p:grpSpPr>
+      <p:sp>
+        <p:nvSpPr>
+          <p:cNvPr id="2" name="Text Placeholder 1"/>
+          <p:cNvSpPr>
+            <a:spLocks noGrp="1"/>
+          </p:cNvSpPr>
+          <p:nvPr>
+            <p:ph type="body" idx="1"/>
+          </p:nvPr>
+        </p:nvSpPr>
+        <p:spPr/>
+        <p:txBody>
+          <a:bodyPr>
+            <a:normAutofit fontScale="77500" lnSpcReduction="20000"/>
+          </a:bodyPr>
+          <a:lstStyle/>
+          <a:p>
+            <a:r>
+              <a:rPr lang="en-US" dirty="0" smtClean="0"/>
+              <a:t>Business Analytics Dashboard </a:t>
+            </a:r>
+            <a:r>
+              <a:rPr lang="en-US" dirty="0" err="1" smtClean="0"/>
+              <a:t>Businesse</a:t>
+            </a:r>
+            <a:r>
+              <a:rPr lang="en-US" dirty="0" smtClean="0">
+                <a:sym typeface="Wingdings" panose="05000000000000000000" pitchFamily="2" charset="2"/>
+              </a:rPr>
+              <a:t> Scroll to “Track your Business Metrics</a:t>
+            </a:r>
+            <a:r>
+              <a:rPr lang="en-US" dirty="0">
+                <a:sym typeface="Wingdings" panose="05000000000000000000" pitchFamily="2" charset="2"/>
+              </a:rPr>
+              <a:t>-Click “see the key Metrics”</a:t>
+            </a:r>
+            <a:endParaRPr lang="en-US" dirty="0"/>
+          </a:p>
+          <a:p>
+            <a:endParaRPr lang="en-US" dirty="0"/>
+          </a:p>
+        </p:txBody>
+      </p:sp>
+      <p:pic>
+        <p:nvPicPr>
+          <p:cNvPr id="4" name="Picture 3" descr="Screen Clipping"/>
+          <p:cNvPicPr>
+            <a:picLocks noChangeAspect="1"/>
+          </p:cNvPicPr>
+          <p:nvPr/>
+        </p:nvPicPr>
+        <p:blipFill>
+          <a:blip r:embed="rId2">
+            <a:extLst>
+              <a:ext uri="{28A0092B-C50C-407E-A947-70E740481C1C}">
+                <a14:useLocalDpi xmlns:a14="http://schemas.microsoft.com/office/drawing/2010/main" val="0"/>
+              </a:ext>
+            </a:extLst>
+          </a:blip>
+          <a:stretch>
+            <a:fillRect/>
+          </a:stretch>
+        </p:blipFill>
+        <p:spPr>
+          <a:xfrm>
+            <a:off x="0" y="0"/>
+            <a:ext cx="9144000" cy="3930556"/>
+          </a:xfrm>
+          <a:prstGeom prst="rect">
+            <a:avLst/>
+          </a:prstGeom>
+        </p:spPr>
+      </p:pic>
+    </p:spTree>
+    <p:extLst>
+      <p:ext uri="{BB962C8B-B14F-4D97-AF65-F5344CB8AC3E}">
+        <p14:creationId xmlns:p14="http://schemas.microsoft.com/office/powerpoint/2010/main" val="904804338"/>
+      </p:ext>
+    </p:extLst>
+  </p:cSld>
+  <p:clrMapOvr>
+    <a:masterClrMapping/>
+  </p:clrMapOvr>
+</p:sld>
+</file>
+
+<file path=ppt/slides/slide44.xml><?xml version="1.0" encoding="utf-8"?>
+<p:sld xmlns:a="http://schemas.openxmlformats.org/drawingml/2006/main" xmlns:r="http://schemas.openxmlformats.org/officeDocument/2006/relationships" xmlns:p="http://schemas.openxmlformats.org/presentationml/2006/main">
+  <p:cSld>
+    <p:spTree>
+      <p:nvGrpSpPr>
+        <p:cNvPr id="1" name=""/>
+        <p:cNvGrpSpPr/>
+        <p:nvPr/>
+      </p:nvGrpSpPr>
+      <p:grpSpPr>
+        <a:xfrm>
+          <a:off x="0" y="0"/>
+          <a:ext cx="0" cy="0"/>
+          <a:chOff x="0" y="0"/>
+          <a:chExt cx="0" cy="0"/>
+        </a:xfrm>
+      </p:grpSpPr>
+      <p:sp>
+        <p:nvSpPr>
+          <p:cNvPr id="2" name="Text Placeholder 1"/>
+          <p:cNvSpPr>
+            <a:spLocks noGrp="1"/>
+          </p:cNvSpPr>
+          <p:nvPr>
+            <p:ph type="body" idx="1"/>
+          </p:nvPr>
+        </p:nvSpPr>
+        <p:spPr/>
+        <p:txBody>
+          <a:bodyPr>
+            <a:normAutofit fontScale="77500" lnSpcReduction="20000"/>
+          </a:bodyPr>
+          <a:lstStyle/>
+          <a:p>
+            <a:r>
+              <a:rPr lang="en-US" dirty="0" smtClean="0"/>
+              <a:t>Business Analytics Dashboard </a:t>
+            </a:r>
+            <a:r>
+              <a:rPr lang="en-US" dirty="0" err="1" smtClean="0"/>
+              <a:t>Businesse</a:t>
+            </a:r>
+            <a:r>
+              <a:rPr lang="en-US" dirty="0" smtClean="0">
+                <a:sym typeface="Wingdings" panose="05000000000000000000" pitchFamily="2" charset="2"/>
+              </a:rPr>
+              <a:t> Scroll to “Track your Business Metrics</a:t>
+            </a:r>
+            <a:r>
+              <a:rPr lang="en-US" dirty="0">
+                <a:sym typeface="Wingdings" panose="05000000000000000000" pitchFamily="2" charset="2"/>
+              </a:rPr>
+              <a:t>-Click “see the key Metrics”</a:t>
+            </a:r>
+            <a:endParaRPr lang="en-US" dirty="0"/>
+          </a:p>
+          <a:p>
+            <a:endParaRPr lang="en-US" dirty="0"/>
+          </a:p>
+        </p:txBody>
+      </p:sp>
+      <p:pic>
+        <p:nvPicPr>
+          <p:cNvPr id="3" name="Picture 2" descr="Screen Clipping"/>
+          <p:cNvPicPr>
+            <a:picLocks noChangeAspect="1"/>
+          </p:cNvPicPr>
+          <p:nvPr/>
+        </p:nvPicPr>
+        <p:blipFill>
+          <a:blip r:embed="rId2">
+            <a:extLst>
+              <a:ext uri="{28A0092B-C50C-407E-A947-70E740481C1C}">
+                <a14:useLocalDpi xmlns:a14="http://schemas.microsoft.com/office/drawing/2010/main" val="0"/>
+              </a:ext>
+            </a:extLst>
+          </a:blip>
+          <a:stretch>
+            <a:fillRect/>
+          </a:stretch>
+        </p:blipFill>
+        <p:spPr>
+          <a:xfrm>
+            <a:off x="0" y="0"/>
+            <a:ext cx="9144000" cy="4119598"/>
+          </a:xfrm>
+          <a:prstGeom prst="rect">
+            <a:avLst/>
+          </a:prstGeom>
+        </p:spPr>
+      </p:pic>
+    </p:spTree>
+    <p:extLst>
+      <p:ext uri="{BB962C8B-B14F-4D97-AF65-F5344CB8AC3E}">
+        <p14:creationId xmlns:p14="http://schemas.microsoft.com/office/powerpoint/2010/main" val="2798165033"/>
+      </p:ext>
+    </p:extLst>
+  </p:cSld>
+  <p:clrMapOvr>
+    <a:masterClrMapping/>
+  </p:clrMapOvr>
+</p:sld>
+</file>
+
+<file path=ppt/slides/slide45.xml><?xml version="1.0" encoding="utf-8"?>
+<p:sld xmlns:a="http://schemas.openxmlformats.org/drawingml/2006/main" xmlns:r="http://schemas.openxmlformats.org/officeDocument/2006/relationships" xmlns:p="http://schemas.openxmlformats.org/presentationml/2006/main">
+  <p:cSld>
+    <p:spTree>
+      <p:nvGrpSpPr>
+        <p:cNvPr id="1" name=""/>
+        <p:cNvGrpSpPr/>
+        <p:nvPr/>
+      </p:nvGrpSpPr>
+      <p:grpSpPr>
+        <a:xfrm>
+          <a:off x="0" y="0"/>
+          <a:ext cx="0" cy="0"/>
+          <a:chOff x="0" y="0"/>
+          <a:chExt cx="0" cy="0"/>
+        </a:xfrm>
+      </p:grpSpPr>
+      <p:sp>
+        <p:nvSpPr>
+          <p:cNvPr id="2" name="Text Placeholder 1"/>
+          <p:cNvSpPr>
+            <a:spLocks noGrp="1"/>
+          </p:cNvSpPr>
+          <p:nvPr>
+            <p:ph type="body" idx="1"/>
+          </p:nvPr>
+        </p:nvSpPr>
+        <p:spPr/>
+        <p:txBody>
+          <a:bodyPr>
+            <a:normAutofit fontScale="77500" lnSpcReduction="20000"/>
+          </a:bodyPr>
+          <a:lstStyle/>
+          <a:p>
+            <a:r>
+              <a:rPr lang="en-US" dirty="0" smtClean="0"/>
+              <a:t>Business Analytics Dashboard </a:t>
+            </a:r>
+            <a:r>
+              <a:rPr lang="en-US" dirty="0" err="1" smtClean="0"/>
+              <a:t>Businesse</a:t>
+            </a:r>
+            <a:r>
+              <a:rPr lang="en-US" dirty="0" smtClean="0">
+                <a:sym typeface="Wingdings" panose="05000000000000000000" pitchFamily="2" charset="2"/>
+              </a:rPr>
+              <a:t> Scroll to “Track your Business Metrics-Click “see the key Metrics”</a:t>
+            </a:r>
+            <a:endParaRPr lang="en-US" dirty="0"/>
+          </a:p>
+        </p:txBody>
+      </p:sp>
+      <p:pic>
+        <p:nvPicPr>
+          <p:cNvPr id="4" name="Picture 3" descr="Screen Clipping"/>
+          <p:cNvPicPr>
+            <a:picLocks noChangeAspect="1"/>
+          </p:cNvPicPr>
+          <p:nvPr/>
+        </p:nvPicPr>
+        <p:blipFill>
+          <a:blip r:embed="rId2">
+            <a:extLst>
+              <a:ext uri="{28A0092B-C50C-407E-A947-70E740481C1C}">
+                <a14:useLocalDpi xmlns:a14="http://schemas.microsoft.com/office/drawing/2010/main" val="0"/>
+              </a:ext>
+            </a:extLst>
+          </a:blip>
+          <a:stretch>
+            <a:fillRect/>
+          </a:stretch>
+        </p:blipFill>
+        <p:spPr>
+          <a:xfrm>
+            <a:off x="0" y="0"/>
+            <a:ext cx="9144000" cy="4150805"/>
+          </a:xfrm>
+          <a:prstGeom prst="rect">
+            <a:avLst/>
+          </a:prstGeom>
+        </p:spPr>
+      </p:pic>
+    </p:spTree>
+    <p:extLst>
+      <p:ext uri="{BB962C8B-B14F-4D97-AF65-F5344CB8AC3E}">
+        <p14:creationId xmlns:p14="http://schemas.microsoft.com/office/powerpoint/2010/main" val="1401104903"/>
+      </p:ext>
+    </p:extLst>
   </p:cSld>
   <p:clrMapOvr>
     <a:masterClrMapping/>
